--- a/idicare.pptx
+++ b/idicare.pptx
@@ -3021,8 +3021,19 @@
             </a:r>
             <a:r>
               <a:rPr lang="en-US" dirty="0" smtClean="0"/>
-              <a:t>	5112100162</a:t>
-            </a:r>
+              <a:t>	</a:t>
+            </a:r>
+            <a:r>
+              <a:rPr lang="en-US" dirty="0" smtClean="0"/>
+              <a:t>5112100162</a:t>
+            </a:r>
+          </a:p>
+          <a:p>
+            <a:r>
+              <a:rPr lang="en-US" smtClean="0"/>
+              <a:t>5114100</a:t>
+            </a:r>
+            <a:endParaRPr lang="en-US" dirty="0" smtClean="0"/>
           </a:p>
           <a:p>
             <a:endParaRPr lang="en-US" dirty="0" smtClean="0"/>
@@ -3603,9 +3614,6 @@
               </a:rPr>
               <a:t>.</a:t>
             </a:r>
-            <a:endParaRPr lang="en-US" dirty="0" smtClean="0">
-              <a:latin typeface="+mj-lt"/>
-            </a:endParaRPr>
           </a:p>
           <a:p>
             <a:pPr marL="0" indent="0" algn="ctr">

--- a/idicare.pptx
+++ b/idicare.pptx
@@ -3030,8 +3030,24 @@
           </a:p>
           <a:p>
             <a:r>
-              <a:rPr lang="en-US" smtClean="0"/>
-              <a:t>5114100</a:t>
+              <a:rPr lang="en-US" dirty="0" err="1" smtClean="0"/>
+              <a:t>Nurul</a:t>
+            </a:r>
+            <a:r>
+              <a:rPr lang="en-US" dirty="0" smtClean="0"/>
+              <a:t> </a:t>
+            </a:r>
+            <a:r>
+              <a:rPr lang="en-US" dirty="0" err="1" smtClean="0"/>
+              <a:t>Azizah</a:t>
+            </a:r>
+            <a:r>
+              <a:rPr lang="en-US" dirty="0"/>
+              <a:t>	</a:t>
+            </a:r>
+            <a:r>
+              <a:rPr lang="en-US" dirty="0" smtClean="0"/>
+              <a:t>		5114100090</a:t>
             </a:r>
             <a:endParaRPr lang="en-US" dirty="0" smtClean="0"/>
           </a:p>
@@ -3039,6 +3055,40 @@
             <a:endParaRPr lang="en-US" dirty="0" smtClean="0"/>
           </a:p>
           <a:p>
+            <a:endParaRPr lang="en-US" dirty="0"/>
+          </a:p>
+        </p:txBody>
+      </p:sp>
+      <p:sp>
+        <p:nvSpPr>
+          <p:cNvPr id="4" name="TextBox 3"/>
+          <p:cNvSpPr txBox="1"/>
+          <p:nvPr/>
+        </p:nvSpPr>
+        <p:spPr>
+          <a:xfrm>
+            <a:off x="1184856" y="553792"/>
+            <a:ext cx="2112136" cy="369332"/>
+          </a:xfrm>
+          <a:prstGeom prst="rect">
+            <a:avLst/>
+          </a:prstGeom>
+          <a:noFill/>
+        </p:spPr>
+        <p:txBody>
+          <a:bodyPr wrap="square" rtlCol="0">
+            <a:spAutoFit/>
+          </a:bodyPr>
+          <a:lstStyle/>
+          <a:p>
+            <a:r>
+              <a:rPr lang="en-US" dirty="0" err="1" smtClean="0"/>
+              <a:t>Nama</a:t>
+            </a:r>
+            <a:r>
+              <a:rPr lang="en-US" dirty="0" smtClean="0"/>
+              <a:t> Tim : 90162</a:t>
+            </a:r>
             <a:endParaRPr lang="en-US" dirty="0"/>
           </a:p>
         </p:txBody>
@@ -4110,6 +4160,24 @@
               </a:rPr>
               <a:t>bencana</a:t>
             </a:r>
+            <a:r>
+              <a:rPr lang="en-US" dirty="0" smtClean="0">
+                <a:latin typeface="+mj-lt"/>
+              </a:rPr>
+              <a:t> 	</a:t>
+            </a:r>
+            <a:r>
+              <a:rPr lang="en-US" sz="2000" dirty="0" smtClean="0">
+                <a:latin typeface="+mj-lt"/>
+              </a:rPr>
+              <a:t>-- </a:t>
+            </a:r>
+            <a:r>
+              <a:rPr lang="en-US" sz="2000" dirty="0" err="1" smtClean="0">
+                <a:latin typeface="+mj-lt"/>
+              </a:rPr>
+              <a:t>Nurul</a:t>
+            </a:r>
             <a:endParaRPr lang="en-US" dirty="0" smtClean="0">
               <a:latin typeface="+mj-lt"/>
             </a:endParaRPr>
@@ -4204,6 +4272,24 @@
                 <a:latin typeface="+mj-lt"/>
               </a:rPr>
               <a:t>bencana</a:t>
+            </a:r>
+            <a:r>
+              <a:rPr lang="en-US" dirty="0" smtClean="0">
+                <a:latin typeface="+mj-lt"/>
+              </a:rPr>
+              <a:t> 	</a:t>
+            </a:r>
+            <a:r>
+              <a:rPr lang="en-US" sz="2000" dirty="0" smtClean="0">
+                <a:latin typeface="+mj-lt"/>
+              </a:rPr>
+              <a:t>-- </a:t>
+            </a:r>
+            <a:r>
+              <a:rPr lang="en-US" sz="2000" dirty="0" err="1" smtClean="0">
+                <a:latin typeface="+mj-lt"/>
+              </a:rPr>
+              <a:t>Nurul</a:t>
             </a:r>
             <a:endParaRPr lang="en-US" dirty="0" smtClean="0">
               <a:latin typeface="+mj-lt"/>
@@ -4368,8 +4454,17 @@
               <a:rPr lang="en-US" dirty="0" smtClean="0">
                 <a:latin typeface="+mj-lt"/>
               </a:rPr>
-              <a:t>Login</a:t>
-            </a:r>
+              <a:t>Login	</a:t>
+            </a:r>
+            <a:r>
+              <a:rPr lang="en-US" sz="2000" dirty="0" smtClean="0">
+                <a:latin typeface="+mj-lt"/>
+              </a:rPr>
+              <a:t>--Dimas</a:t>
+            </a:r>
+            <a:endParaRPr lang="en-US" dirty="0" smtClean="0">
+              <a:latin typeface="+mj-lt"/>
+            </a:endParaRPr>
           </a:p>
           <a:p>
             <a:pPr marL="0" indent="0">
@@ -4582,8 +4677,29 @@
               <a:rPr lang="en-US" dirty="0" smtClean="0">
                 <a:latin typeface="+mj-lt"/>
               </a:rPr>
-              <a:t> user</a:t>
-            </a:r>
+              <a:t> </a:t>
+            </a:r>
+            <a:r>
+              <a:rPr lang="en-US" dirty="0" smtClean="0">
+                <a:latin typeface="+mj-lt"/>
+              </a:rPr>
+              <a:t>user	</a:t>
+            </a:r>
+            <a:r>
+              <a:rPr lang="en-US" sz="2000" dirty="0" smtClean="0">
+                <a:latin typeface="+mj-lt"/>
+              </a:rPr>
+              <a:t>--</a:t>
+            </a:r>
+            <a:r>
+              <a:rPr lang="en-US" sz="2000" dirty="0" err="1" smtClean="0">
+                <a:latin typeface="+mj-lt"/>
+              </a:rPr>
+              <a:t>Nurul</a:t>
+            </a:r>
+            <a:endParaRPr lang="en-US" dirty="0" smtClean="0">
+              <a:latin typeface="+mj-lt"/>
+            </a:endParaRPr>
           </a:p>
           <a:p>
             <a:pPr marL="0" lvl="1" indent="0">
@@ -4678,6 +4794,18 @@
                 <a:latin typeface="+mj-lt"/>
               </a:rPr>
               <a:t>bencana</a:t>
+            </a:r>
+            <a:r>
+              <a:rPr lang="en-US" dirty="0" smtClean="0">
+                <a:latin typeface="+mj-lt"/>
+              </a:rPr>
+              <a:t>	</a:t>
+            </a:r>
+            <a:r>
+              <a:rPr lang="en-US" sz="2000" dirty="0" smtClean="0">
+                <a:latin typeface="+mj-lt"/>
+              </a:rPr>
+              <a:t>--Dimas</a:t>
             </a:r>
             <a:endParaRPr lang="en-US" dirty="0" smtClean="0">
               <a:latin typeface="+mj-lt"/>
